--- a/Presentation/The Practicality of Prompt Engineering.pptx
+++ b/Presentation/The Practicality of Prompt Engineering.pptx
@@ -104,6 +104,11 @@
       </a:defRPr>
     </a:lvl9pPr>
   </p:defaultTextStyle>
+  <p:extLst>
+    <p:ext uri="{EFAFB233-063F-42B5-8137-9DF3F51BA10A}">
+      <p15:sldGuideLst xmlns:p15="http://schemas.microsoft.com/office/powerpoint/2012/main"/>
+    </p:ext>
+  </p:extLst>
 </p:presentation>
 </file>
 
@@ -3763,7 +3768,7 @@
         <p:spPr>
           <a:xfrm>
             <a:off x="1233982" y="1587321"/>
-            <a:ext cx="9724031" cy="2159537"/>
+            <a:ext cx="9724031" cy="1597433"/>
           </a:xfrm>
         </p:spPr>
         <p:txBody>
@@ -3780,13 +3785,7 @@
           <a:p>
             <a:r>
               <a:rPr lang="en-US" sz="1200" dirty="0"/>
-              <a:t>Data: 100 programmatically-conducted conversations</a:t>
-            </a:r>
-          </a:p>
-          <a:p>
-            <a:r>
-              <a:rPr lang="en-US" sz="1200" dirty="0"/>
-              <a:t>Contribution - new metrics, significance testing, run on new and old models</a:t>
+              <a:t>100 programmatically-conducted conversations</a:t>
             </a:r>
           </a:p>
           <a:p>
@@ -3811,7 +3810,7 @@
           <a:p>
             <a:r>
               <a:rPr lang="en-US" sz="1200" dirty="0"/>
-              <a:t>Gains on CW are growing but gains on GSM8K are shrinking in transition from TD3 to GPT-4. Methods below sorted by technique age</a:t>
+              <a:t>Gains on CW are growing but gains on GSM8K are shrinking in transition from TD3 to GPT-4</a:t>
             </a:r>
           </a:p>
           <a:p>
@@ -3849,8 +3848,8 @@
         </p:blipFill>
         <p:spPr>
           <a:xfrm>
-            <a:off x="6356413" y="3627960"/>
-            <a:ext cx="5376232" cy="2974017"/>
+            <a:off x="6289422" y="3092014"/>
+            <a:ext cx="6275455" cy="3471448"/>
           </a:xfrm>
           <a:prstGeom prst="rect">
             <a:avLst/>
@@ -3884,8 +3883,8 @@
         </p:blipFill>
         <p:spPr>
           <a:xfrm>
-            <a:off x="459349" y="3666478"/>
-            <a:ext cx="5228948" cy="2896984"/>
+            <a:off x="50970" y="3107184"/>
+            <a:ext cx="6238452" cy="3456278"/>
           </a:xfrm>
           <a:prstGeom prst="rect">
             <a:avLst/>
